--- a/ProjetAnnuel2.pptx
+++ b/ProjetAnnuel2.pptx
@@ -16,8 +16,8 @@
     <p:sldId id="264" r:id="rId10"/>
     <p:sldId id="265" r:id="rId11"/>
     <p:sldId id="266" r:id="rId12"/>
-    <p:sldId id="268" r:id="rId13"/>
-    <p:sldId id="267" r:id="rId14"/>
+    <p:sldId id="267" r:id="rId13"/>
+    <p:sldId id="268" r:id="rId14"/>
   </p:sldIdLst>
   <p:sldSz cx="12192000" cy="6858000"/>
   <p:notesSz cx="6858000" cy="9144000"/>
@@ -368,7 +368,7 @@
           <a:p>
             <a:fld id="{9184DA70-C731-4C70-880D-CCD4705E623C}" type="datetime1">
               <a:rPr lang="en-US" smtClean="0"/>
-              <a:t>7/8/2021</a:t>
+              <a:t>7/9/2021</a:t>
             </a:fld>
             <a:endParaRPr lang="en-US" dirty="0"/>
           </a:p>
@@ -556,7 +556,7 @@
           <a:p>
             <a:fld id="{B612A279-0833-481D-8C56-F67FD0AC6C50}" type="datetime1">
               <a:rPr lang="en-US" smtClean="0"/>
-              <a:t>7/8/2021</a:t>
+              <a:t>7/9/2021</a:t>
             </a:fld>
             <a:endParaRPr lang="en-US" dirty="0"/>
           </a:p>
@@ -798,7 +798,7 @@
           <a:p>
             <a:fld id="{6587DA83-5663-4C9C-B9AA-0B40A3DAFF81}" type="datetime1">
               <a:rPr lang="en-US" smtClean="0"/>
-              <a:t>7/8/2021</a:t>
+              <a:t>7/9/2021</a:t>
             </a:fld>
             <a:endParaRPr lang="en-US" dirty="0"/>
           </a:p>
@@ -986,7 +986,7 @@
           <a:p>
             <a:fld id="{4BE1D723-8F53-4F53-90B0-1982A396982E}" type="datetime1">
               <a:rPr lang="en-US" smtClean="0"/>
-              <a:t>7/8/2021</a:t>
+              <a:t>7/9/2021</a:t>
             </a:fld>
             <a:endParaRPr lang="en-US" dirty="0"/>
           </a:p>
@@ -1359,7 +1359,7 @@
           <a:p>
             <a:fld id="{97669AF7-7BEB-44E4-9852-375E34362B5B}" type="datetime1">
               <a:rPr lang="en-US" smtClean="0"/>
-              <a:t>7/8/2021</a:t>
+              <a:t>7/9/2021</a:t>
             </a:fld>
             <a:endParaRPr lang="en-US" dirty="0"/>
           </a:p>
@@ -1614,7 +1614,7 @@
           <a:p>
             <a:fld id="{BAAAC38D-0552-4C82-B593-E6124DFADBE2}" type="datetime1">
               <a:rPr lang="en-US" smtClean="0"/>
-              <a:t>7/8/2021</a:t>
+              <a:t>7/9/2021</a:t>
             </a:fld>
             <a:endParaRPr lang="en-US" dirty="0"/>
           </a:p>
@@ -2011,7 +2011,7 @@
           <a:p>
             <a:fld id="{D9DF0F1C-5577-4ACB-BB62-DF8F3C494C7E}" type="datetime1">
               <a:rPr lang="en-US" smtClean="0"/>
-              <a:t>7/8/2021</a:t>
+              <a:t>7/9/2021</a:t>
             </a:fld>
             <a:endParaRPr lang="en-US" dirty="0"/>
           </a:p>
@@ -2147,7 +2147,7 @@
           <a:p>
             <a:fld id="{1775B394-D9F9-4F0C-B15D-605F45CB9E9F}" type="datetime1">
               <a:rPr lang="en-US" smtClean="0"/>
-              <a:t>7/8/2021</a:t>
+              <a:t>7/9/2021</a:t>
             </a:fld>
             <a:endParaRPr lang="en-US" dirty="0"/>
           </a:p>
@@ -2304,7 +2304,7 @@
           <a:p>
             <a:fld id="{39667345-2558-425A-8533-9BFDBCE15005}" type="datetime1">
               <a:rPr lang="en-US" smtClean="0"/>
-              <a:t>7/8/2021</a:t>
+              <a:t>7/9/2021</a:t>
             </a:fld>
             <a:endParaRPr lang="en-US" dirty="0"/>
           </a:p>
@@ -2633,7 +2633,7 @@
           <a:p>
             <a:fld id="{92BEA474-078D-4E9B-9B14-09A87B19DC46}" type="datetime1">
               <a:rPr lang="en-US" smtClean="0"/>
-              <a:t>7/8/2021</a:t>
+              <a:t>7/9/2021</a:t>
             </a:fld>
             <a:endParaRPr lang="en-US" dirty="0"/>
           </a:p>
@@ -2983,7 +2983,7 @@
           <a:p>
             <a:fld id="{4907D986-8816-4272-A432-0437A28A9828}" type="datetime1">
               <a:rPr lang="en-US" smtClean="0"/>
-              <a:t>7/8/2021</a:t>
+              <a:t>7/9/2021</a:t>
             </a:fld>
             <a:endParaRPr lang="en-US" dirty="0"/>
           </a:p>
@@ -3244,7 +3244,7 @@
           <a:p>
             <a:fld id="{62D6E202-B606-4609-B914-27C9371A1F6D}" type="datetime1">
               <a:rPr lang="en-US" smtClean="0"/>
-              <a:t>7/8/2021</a:t>
+              <a:t>7/9/2021</a:t>
             </a:fld>
             <a:endParaRPr lang="en-US" dirty="0"/>
           </a:p>
@@ -4548,7 +4548,7 @@
           <a:p>
             <a:r>
               <a:rPr lang="fr-FR" dirty="0"/>
-              <a:t>Améliorations possibles</a:t>
+              <a:t>Répartition des tâches</a:t>
             </a:r>
           </a:p>
         </p:txBody>
@@ -4569,8 +4569,8 @@
         </p:nvSpPr>
         <p:spPr>
           <a:xfrm>
-            <a:off x="1066800" y="2008873"/>
-            <a:ext cx="10058400" cy="1450757"/>
+            <a:off x="1066800" y="2352582"/>
+            <a:ext cx="10058400" cy="1225119"/>
           </a:xfrm>
           <a:prstGeom prst="rect">
             <a:avLst/>
@@ -4578,7 +4578,7 @@
         </p:spPr>
         <p:txBody>
           <a:bodyPr vert="horz" lIns="91440" tIns="45720" rIns="91440" bIns="45720" rtlCol="0" anchor="b">
-            <a:normAutofit fontScale="85000" lnSpcReduction="20000"/>
+            <a:noAutofit/>
           </a:bodyPr>
           <a:lstStyle>
             <a:lvl1pPr algn="l" defTabSz="914400" rtl="0" eaLnBrk="1" latinLnBrk="0" hangingPunct="1">
@@ -4604,35 +4604,32 @@
           </a:lstStyle>
           <a:p>
             <a:r>
-              <a:rPr lang="fr-FR" sz="1800" b="1" dirty="0"/>
-              <a:t>Entrainement du modèle post annotation</a:t>
-            </a:r>
-          </a:p>
-          <a:p>
-            <a:endParaRPr lang="fr-FR" sz="1800" b="1" dirty="0"/>
-          </a:p>
-          <a:p>
-            <a:r>
-              <a:rPr lang="fr-FR" sz="1800" dirty="0"/>
-              <a:t>Certains caractères spéciaux se sont glissés dans notre dataset lors de l’application de l’OCR qui crée un décalage sur la position réelle des caractères lors de la lecture avec Spacy</a:t>
-            </a:r>
-          </a:p>
-          <a:p>
-            <a:endParaRPr lang="fr-FR" sz="1800" dirty="0"/>
-          </a:p>
-          <a:p>
-            <a:r>
-              <a:rPr lang="fr-FR" sz="1800" dirty="0"/>
-              <a:t>Déploiement PWA dans le cloud + sécurité</a:t>
-            </a:r>
-          </a:p>
-          <a:p>
-            <a:endParaRPr lang="fr-FR" sz="1800" dirty="0"/>
-          </a:p>
-          <a:p>
-            <a:r>
-              <a:rPr lang="fr-FR" sz="1800" dirty="0"/>
-              <a:t>Amélioration du modèle de prédiction</a:t>
+              <a:rPr lang="fr-FR" sz="2000" b="1" dirty="0"/>
+              <a:t>Sarah :</a:t>
+            </a:r>
+            <a:endParaRPr lang="fr-FR" sz="2000" dirty="0"/>
+          </a:p>
+          <a:p>
+            <a:endParaRPr lang="fr-FR" sz="2000" dirty="0"/>
+          </a:p>
+          <a:p>
+            <a:pPr marL="285750" indent="-285750">
+              <a:buFont typeface="Arial" panose="020B0604020202020204" pitchFamily="34" charset="0"/>
+              <a:buChar char="•"/>
+            </a:pPr>
+            <a:r>
+              <a:rPr lang="fr-FR" sz="2000" dirty="0"/>
+              <a:t>Etiquetage du dataset</a:t>
+            </a:r>
+          </a:p>
+          <a:p>
+            <a:pPr marL="285750" indent="-285750">
+              <a:buFont typeface="Arial" panose="020B0604020202020204" pitchFamily="34" charset="0"/>
+              <a:buChar char="•"/>
+            </a:pPr>
+            <a:r>
+              <a:rPr lang="fr-FR" sz="2000" dirty="0"/>
+              <a:t>Design de l’application</a:t>
             </a:r>
           </a:p>
         </p:txBody>
@@ -4640,7 +4637,7 @@
     </p:spTree>
     <p:extLst>
       <p:ext uri="{BB962C8B-B14F-4D97-AF65-F5344CB8AC3E}">
-        <p14:creationId xmlns:p14="http://schemas.microsoft.com/office/powerpoint/2010/main" val="3645952171"/>
+        <p14:creationId xmlns:p14="http://schemas.microsoft.com/office/powerpoint/2010/main" val="2692018607"/>
       </p:ext>
     </p:extLst>
   </p:cSld>
@@ -4690,7 +4687,7 @@
           <a:p>
             <a:r>
               <a:rPr lang="fr-FR" dirty="0"/>
-              <a:t>Répartition des tâches</a:t>
+              <a:t>Améliorations possibles</a:t>
             </a:r>
           </a:p>
         </p:txBody>
@@ -4711,8 +4708,8 @@
         </p:nvSpPr>
         <p:spPr>
           <a:xfrm>
-            <a:off x="1066800" y="2352582"/>
-            <a:ext cx="10058400" cy="1225119"/>
+            <a:off x="1066800" y="2008873"/>
+            <a:ext cx="10058400" cy="1450757"/>
           </a:xfrm>
           <a:prstGeom prst="rect">
             <a:avLst/>
@@ -4720,7 +4717,7 @@
         </p:spPr>
         <p:txBody>
           <a:bodyPr vert="horz" lIns="91440" tIns="45720" rIns="91440" bIns="45720" rtlCol="0" anchor="b">
-            <a:noAutofit/>
+            <a:normAutofit fontScale="85000" lnSpcReduction="20000"/>
           </a:bodyPr>
           <a:lstStyle>
             <a:lvl1pPr algn="l" defTabSz="914400" rtl="0" eaLnBrk="1" latinLnBrk="0" hangingPunct="1">
@@ -4746,32 +4743,35 @@
           </a:lstStyle>
           <a:p>
             <a:r>
-              <a:rPr lang="fr-FR" sz="2000" b="1" dirty="0"/>
-              <a:t>Sarah :</a:t>
-            </a:r>
-            <a:endParaRPr lang="fr-FR" sz="2000" dirty="0"/>
-          </a:p>
-          <a:p>
-            <a:endParaRPr lang="fr-FR" sz="2000" dirty="0"/>
-          </a:p>
-          <a:p>
-            <a:pPr marL="285750" indent="-285750">
-              <a:buFont typeface="Arial" panose="020B0604020202020204" pitchFamily="34" charset="0"/>
-              <a:buChar char="•"/>
-            </a:pPr>
-            <a:r>
-              <a:rPr lang="fr-FR" sz="2000" dirty="0"/>
-              <a:t>Etiquetage du dataset</a:t>
-            </a:r>
-          </a:p>
-          <a:p>
-            <a:pPr marL="285750" indent="-285750">
-              <a:buFont typeface="Arial" panose="020B0604020202020204" pitchFamily="34" charset="0"/>
-              <a:buChar char="•"/>
-            </a:pPr>
-            <a:r>
-              <a:rPr lang="fr-FR" sz="2000" dirty="0"/>
-              <a:t>Design de l’application</a:t>
+              <a:rPr lang="fr-FR" sz="1800" b="1" dirty="0"/>
+              <a:t>Entrainement du modèle post annotation</a:t>
+            </a:r>
+          </a:p>
+          <a:p>
+            <a:endParaRPr lang="fr-FR" sz="1800" b="1" dirty="0"/>
+          </a:p>
+          <a:p>
+            <a:r>
+              <a:rPr lang="fr-FR" sz="1800" dirty="0"/>
+              <a:t>Certains caractères spéciaux se sont glissés dans notre dataset lors de l’application de l’OCR qui crée un décalage sur la position réelle des caractères lors de la lecture avec Spacy</a:t>
+            </a:r>
+          </a:p>
+          <a:p>
+            <a:endParaRPr lang="fr-FR" sz="1800" dirty="0"/>
+          </a:p>
+          <a:p>
+            <a:r>
+              <a:rPr lang="fr-FR" sz="1800" dirty="0"/>
+              <a:t>Déploiement PWA dans le cloud + sécurité</a:t>
+            </a:r>
+          </a:p>
+          <a:p>
+            <a:endParaRPr lang="fr-FR" sz="1800" dirty="0"/>
+          </a:p>
+          <a:p>
+            <a:r>
+              <a:rPr lang="fr-FR" sz="1800" dirty="0"/>
+              <a:t>Amélioration du modèle de prédiction</a:t>
             </a:r>
           </a:p>
         </p:txBody>
@@ -4779,7 +4779,7 @@
     </p:spTree>
     <p:extLst>
       <p:ext uri="{BB962C8B-B14F-4D97-AF65-F5344CB8AC3E}">
-        <p14:creationId xmlns:p14="http://schemas.microsoft.com/office/powerpoint/2010/main" val="2692018607"/>
+        <p14:creationId xmlns:p14="http://schemas.microsoft.com/office/powerpoint/2010/main" val="3645952171"/>
       </p:ext>
     </p:extLst>
   </p:cSld>
